--- a/Additional Outputs/Final Slides.pptx
+++ b/Additional Outputs/Final Slides.pptx
@@ -10332,7 +10332,7 @@
             <p:ph idx="1"/>
             <p:extLst>
               <p:ext uri="{D42A27DB-BD31-4B8C-83A1-F6EECF244321}">
-                <p14:modId xmlns:p14="http://schemas.microsoft.com/office/powerpoint/2010/main" val="1493002859"/>
+                <p14:modId xmlns:p14="http://schemas.microsoft.com/office/powerpoint/2010/main" val="1864477087"/>
               </p:ext>
             </p:extLst>
           </p:nvPr>
@@ -10375,12 +10375,12 @@
                         </a:lnSpc>
                       </a:pPr>
                       <a:r>
-                        <a:rPr lang="en-US" sz="1400" kern="100">
+                        <a:rPr lang="en-US" sz="2000" kern="100" dirty="0">
                           <a:effectLst/>
                         </a:rPr>
                         <a:t>Name</a:t>
                       </a:r>
-                      <a:endParaRPr lang="zh-TW" sz="1200" kern="100">
+                      <a:endParaRPr lang="zh-TW" sz="2000" kern="100" dirty="0">
                         <a:effectLst/>
                         <a:latin typeface="Calibri" panose="020F0502020204030204" pitchFamily="34" charset="0"/>
                         <a:ea typeface="新細明體" panose="02020500000000000000" pitchFamily="18" charset="-120"/>
@@ -10401,12 +10401,12 @@
                         </a:lnSpc>
                       </a:pPr>
                       <a:r>
-                        <a:rPr lang="en-US" sz="1400" kern="100">
+                        <a:rPr lang="en-US" sz="2000" kern="100" dirty="0">
                           <a:effectLst/>
                         </a:rPr>
                         <a:t>Contributions</a:t>
                       </a:r>
-                      <a:endParaRPr lang="zh-TW" sz="1200" kern="100">
+                      <a:endParaRPr lang="zh-TW" sz="2000" kern="100" dirty="0">
                         <a:effectLst/>
                         <a:latin typeface="Calibri" panose="020F0502020204030204" pitchFamily="34" charset="0"/>
                         <a:ea typeface="新細明體" panose="02020500000000000000" pitchFamily="18" charset="-120"/>
@@ -10434,12 +10434,12 @@
                         </a:lnSpc>
                       </a:pPr>
                       <a:r>
-                        <a:rPr lang="zh-TW" sz="1600" kern="100">
+                        <a:rPr lang="zh-TW" sz="2000" kern="100">
                           <a:effectLst/>
                         </a:rPr>
                         <a:t>呂學柏</a:t>
                       </a:r>
-                      <a:endParaRPr lang="zh-TW" sz="1200" kern="100">
+                      <a:endParaRPr lang="zh-TW" sz="2000" kern="100">
                         <a:effectLst/>
                         <a:latin typeface="Calibri" panose="020F0502020204030204" pitchFamily="34" charset="0"/>
                         <a:ea typeface="新細明體" panose="02020500000000000000" pitchFamily="18" charset="-120"/>
@@ -10460,12 +10460,15 @@
                         </a:lnSpc>
                       </a:pPr>
                       <a:r>
-                        <a:rPr lang="en-US" sz="1400" kern="100">
+                        <a:rPr lang="en-US" sz="2000" kern="100" dirty="0">
                           <a:effectLst/>
+                          <a:latin typeface="Calibri" panose="020F0502020204030204" pitchFamily="34" charset="0"/>
+                          <a:ea typeface="新細明體" panose="02020500000000000000" pitchFamily="18" charset="-120"/>
+                          <a:cs typeface="Times New Roman" panose="02020603050405020304" pitchFamily="18" charset="0"/>
                         </a:rPr>
-                        <a:t>Back-End, Front-End, BE/FE Connection, Debugging, Slides</a:t>
-                      </a:r>
-                      <a:endParaRPr lang="zh-TW" sz="1200" kern="100">
+                        <a:t>Back-End &amp; Front-End Coding, BE/FE Connection, Debugging, Slides</a:t>
+                      </a:r>
+                      <a:endParaRPr lang="zh-TW" sz="2000" kern="100" dirty="0">
                         <a:effectLst/>
                         <a:latin typeface="Calibri" panose="020F0502020204030204" pitchFamily="34" charset="0"/>
                         <a:ea typeface="新細明體" panose="02020500000000000000" pitchFamily="18" charset="-120"/>
@@ -10493,12 +10496,12 @@
                         </a:lnSpc>
                       </a:pPr>
                       <a:r>
-                        <a:rPr lang="zh-TW" sz="1600" kern="100">
+                        <a:rPr lang="zh-TW" sz="2000" kern="100">
                           <a:effectLst/>
                         </a:rPr>
                         <a:t>黃尹彤</a:t>
                       </a:r>
-                      <a:endParaRPr lang="zh-TW" sz="1200" kern="100">
+                      <a:endParaRPr lang="zh-TW" sz="2000" kern="100">
                         <a:effectLst/>
                         <a:latin typeface="Calibri" panose="020F0502020204030204" pitchFamily="34" charset="0"/>
                         <a:ea typeface="新細明體" panose="02020500000000000000" pitchFamily="18" charset="-120"/>
@@ -10519,12 +10522,12 @@
                         </a:lnSpc>
                       </a:pPr>
                       <a:r>
-                        <a:rPr lang="en-US" sz="1400" kern="100">
+                        <a:rPr lang="en-US" sz="2000" kern="100" dirty="0">
                           <a:effectLst/>
                         </a:rPr>
-                        <a:t>UML Diagram, Proposals, Slides</a:t>
-                      </a:r>
-                      <a:endParaRPr lang="zh-TW" sz="1200" kern="100">
+                        <a:t>UML Diagram, Proposals</a:t>
+                      </a:r>
+                      <a:endParaRPr lang="zh-TW" sz="2000" kern="100" dirty="0">
                         <a:effectLst/>
                         <a:latin typeface="Calibri" panose="020F0502020204030204" pitchFamily="34" charset="0"/>
                         <a:ea typeface="新細明體" panose="02020500000000000000" pitchFamily="18" charset="-120"/>
@@ -10552,12 +10555,12 @@
                         </a:lnSpc>
                       </a:pPr>
                       <a:r>
-                        <a:rPr lang="zh-TW" sz="1600" kern="100">
+                        <a:rPr lang="zh-TW" sz="2000" kern="100">
                           <a:effectLst/>
                         </a:rPr>
                         <a:t>劉家妤</a:t>
                       </a:r>
-                      <a:endParaRPr lang="zh-TW" sz="1200" kern="100">
+                      <a:endParaRPr lang="zh-TW" sz="2000" kern="100">
                         <a:effectLst/>
                         <a:latin typeface="Calibri" panose="020F0502020204030204" pitchFamily="34" charset="0"/>
                         <a:ea typeface="新細明體" panose="02020500000000000000" pitchFamily="18" charset="-120"/>
@@ -10578,12 +10581,30 @@
                         </a:lnSpc>
                       </a:pPr>
                       <a:r>
-                        <a:rPr lang="en-US" sz="1400" kern="100" dirty="0">
+                        <a:rPr lang="en-US" sz="2000" kern="100" dirty="0">
                           <a:effectLst/>
                         </a:rPr>
-                        <a:t>UML Diagram, Proposals, Slides</a:t>
-                      </a:r>
-                      <a:endParaRPr lang="zh-TW" sz="1200" kern="100" dirty="0">
+                        <a:t>UML Diagram, Proposals, Slides, </a:t>
+                      </a:r>
+                      <a:r>
+                        <a:rPr lang="en-US" altLang="zh-TW" sz="1800" kern="1200" dirty="0">
+                          <a:solidFill>
+                            <a:schemeClr val="dk1"/>
+                          </a:solidFill>
+                          <a:effectLst/>
+                          <a:latin typeface="+mn-lt"/>
+                          <a:ea typeface="+mn-ea"/>
+                          <a:cs typeface="+mn-cs"/>
+                        </a:rPr>
+                        <a:t>JSP Background Picture</a:t>
+                      </a:r>
+                      <a:r>
+                        <a:rPr lang="zh-TW" altLang="zh-TW" sz="2000">
+                          <a:effectLst/>
+                        </a:rPr>
+                        <a:t> </a:t>
+                      </a:r>
+                      <a:endParaRPr lang="zh-TW" sz="2000" kern="100" dirty="0">
                         <a:effectLst/>
                         <a:latin typeface="Calibri" panose="020F0502020204030204" pitchFamily="34" charset="0"/>
                         <a:ea typeface="新細明體" panose="02020500000000000000" pitchFamily="18" charset="-120"/>
